--- a/Eager/paper/socc15/figures/architecture_pitch.pptx
+++ b/Eager/paper/socc15/figures/architecture_pitch.pptx
@@ -288,7 +288,7 @@
           <a:p>
             <a:fld id="{8A3A32C6-ED01-0E44-BE75-456DBBE17F01}" type="datetimeFigureOut">
               <a:rPr lang="en-US" smtClean="0"/>
-              <a:t>5/6/15</a:t>
+              <a:t>5/7/15</a:t>
             </a:fld>
             <a:endParaRPr lang="en-US"/>
           </a:p>
@@ -458,7 +458,7 @@
           <a:p>
             <a:fld id="{8A3A32C6-ED01-0E44-BE75-456DBBE17F01}" type="datetimeFigureOut">
               <a:rPr lang="en-US" smtClean="0"/>
-              <a:t>5/6/15</a:t>
+              <a:t>5/7/15</a:t>
             </a:fld>
             <a:endParaRPr lang="en-US"/>
           </a:p>
@@ -638,7 +638,7 @@
           <a:p>
             <a:fld id="{8A3A32C6-ED01-0E44-BE75-456DBBE17F01}" type="datetimeFigureOut">
               <a:rPr lang="en-US" smtClean="0"/>
-              <a:t>5/6/15</a:t>
+              <a:t>5/7/15</a:t>
             </a:fld>
             <a:endParaRPr lang="en-US"/>
           </a:p>
@@ -808,7 +808,7 @@
           <a:p>
             <a:fld id="{8A3A32C6-ED01-0E44-BE75-456DBBE17F01}" type="datetimeFigureOut">
               <a:rPr lang="en-US" smtClean="0"/>
-              <a:t>5/6/15</a:t>
+              <a:t>5/7/15</a:t>
             </a:fld>
             <a:endParaRPr lang="en-US"/>
           </a:p>
@@ -1054,7 +1054,7 @@
           <a:p>
             <a:fld id="{8A3A32C6-ED01-0E44-BE75-456DBBE17F01}" type="datetimeFigureOut">
               <a:rPr lang="en-US" smtClean="0"/>
-              <a:t>5/6/15</a:t>
+              <a:t>5/7/15</a:t>
             </a:fld>
             <a:endParaRPr lang="en-US"/>
           </a:p>
@@ -1342,7 +1342,7 @@
           <a:p>
             <a:fld id="{8A3A32C6-ED01-0E44-BE75-456DBBE17F01}" type="datetimeFigureOut">
               <a:rPr lang="en-US" smtClean="0"/>
-              <a:t>5/6/15</a:t>
+              <a:t>5/7/15</a:t>
             </a:fld>
             <a:endParaRPr lang="en-US"/>
           </a:p>
@@ -1764,7 +1764,7 @@
           <a:p>
             <a:fld id="{8A3A32C6-ED01-0E44-BE75-456DBBE17F01}" type="datetimeFigureOut">
               <a:rPr lang="en-US" smtClean="0"/>
-              <a:t>5/6/15</a:t>
+              <a:t>5/7/15</a:t>
             </a:fld>
             <a:endParaRPr lang="en-US"/>
           </a:p>
@@ -1882,7 +1882,7 @@
           <a:p>
             <a:fld id="{8A3A32C6-ED01-0E44-BE75-456DBBE17F01}" type="datetimeFigureOut">
               <a:rPr lang="en-US" smtClean="0"/>
-              <a:t>5/6/15</a:t>
+              <a:t>5/7/15</a:t>
             </a:fld>
             <a:endParaRPr lang="en-US"/>
           </a:p>
@@ -1977,7 +1977,7 @@
           <a:p>
             <a:fld id="{8A3A32C6-ED01-0E44-BE75-456DBBE17F01}" type="datetimeFigureOut">
               <a:rPr lang="en-US" smtClean="0"/>
-              <a:t>5/6/15</a:t>
+              <a:t>5/7/15</a:t>
             </a:fld>
             <a:endParaRPr lang="en-US"/>
           </a:p>
@@ -2254,7 +2254,7 @@
           <a:p>
             <a:fld id="{8A3A32C6-ED01-0E44-BE75-456DBBE17F01}" type="datetimeFigureOut">
               <a:rPr lang="en-US" smtClean="0"/>
-              <a:t>5/6/15</a:t>
+              <a:t>5/7/15</a:t>
             </a:fld>
             <a:endParaRPr lang="en-US"/>
           </a:p>
@@ -2507,7 +2507,7 @@
           <a:p>
             <a:fld id="{8A3A32C6-ED01-0E44-BE75-456DBBE17F01}" type="datetimeFigureOut">
               <a:rPr lang="en-US" smtClean="0"/>
-              <a:t>5/6/15</a:t>
+              <a:t>5/7/15</a:t>
             </a:fld>
             <a:endParaRPr lang="en-US"/>
           </a:p>
@@ -2720,7 +2720,7 @@
           <a:p>
             <a:fld id="{8A3A32C6-ED01-0E44-BE75-456DBBE17F01}" type="datetimeFigureOut">
               <a:rPr lang="en-US" smtClean="0"/>
-              <a:t>5/6/15</a:t>
+              <a:t>5/7/15</a:t>
             </a:fld>
             <a:endParaRPr lang="en-US"/>
           </a:p>
@@ -3160,761 +3160,716 @@
           </a:p>
         </p:txBody>
       </p:sp>
-      <p:grpSp>
-        <p:nvGrpSpPr>
-          <p:cNvPr id="16" name="Group 15"/>
-          <p:cNvGrpSpPr/>
+      <p:sp>
+        <p:nvSpPr>
+          <p:cNvPr id="17" name="Cloud 16"/>
+          <p:cNvSpPr/>
           <p:nvPr/>
-        </p:nvGrpSpPr>
-        <p:grpSpPr>
+        </p:nvSpPr>
+        <p:spPr>
           <a:xfrm>
-            <a:off x="762000" y="1296736"/>
-            <a:ext cx="8275052" cy="5454317"/>
-            <a:chOff x="948566" y="127538"/>
-            <a:chExt cx="8055498" cy="6249184"/>
+            <a:off x="868944" y="3316849"/>
+            <a:ext cx="3763397" cy="1913554"/>
           </a:xfrm>
-        </p:grpSpPr>
-        <p:sp>
-          <p:nvSpPr>
-            <p:cNvPr id="17" name="Cloud 16"/>
-            <p:cNvSpPr/>
-            <p:nvPr/>
-          </p:nvSpPr>
-          <p:spPr>
-            <a:xfrm>
-              <a:off x="948566" y="2334832"/>
-              <a:ext cx="3663546" cy="2192420"/>
-            </a:xfrm>
-            <a:prstGeom prst="cloud">
-              <a:avLst/>
-            </a:prstGeom>
+          <a:prstGeom prst="cloud">
+            <a:avLst/>
+          </a:prstGeom>
+          <a:solidFill>
+            <a:schemeClr val="bg1">
+              <a:lumMod val="75000"/>
+            </a:schemeClr>
+          </a:solidFill>
+          <a:ln>
+            <a:noFill/>
+          </a:ln>
+        </p:spPr>
+        <p:style>
+          <a:lnRef idx="1">
+            <a:schemeClr val="accent1"/>
+          </a:lnRef>
+          <a:fillRef idx="3">
+            <a:schemeClr val="accent1"/>
+          </a:fillRef>
+          <a:effectRef idx="2">
+            <a:schemeClr val="accent1"/>
+          </a:effectRef>
+          <a:fontRef idx="minor">
+            <a:schemeClr val="lt1"/>
+          </a:fontRef>
+        </p:style>
+        <p:txBody>
+          <a:bodyPr rtlCol="0" anchor="ctr"/>
+          <a:lstStyle/>
+          <a:p>
+            <a:pPr algn="ctr"/>
+            <a:endParaRPr lang="en-US" dirty="0" smtClean="0"/>
+          </a:p>
+          <a:p>
+            <a:pPr algn="ctr"/>
+            <a:endParaRPr lang="en-US" dirty="0"/>
+          </a:p>
+          <a:p>
+            <a:pPr algn="ctr"/>
+            <a:endParaRPr lang="en-US" dirty="0" smtClean="0"/>
+          </a:p>
+          <a:p>
+            <a:pPr algn="ctr"/>
+            <a:endParaRPr lang="en-US" dirty="0"/>
+          </a:p>
+          <a:p>
+            <a:pPr algn="ctr"/>
+            <a:endParaRPr lang="en-US" dirty="0" smtClean="0"/>
+          </a:p>
+          <a:p>
+            <a:pPr algn="ctr"/>
+            <a:r>
+              <a:rPr lang="en-US" b="1" dirty="0" err="1" smtClean="0">
+                <a:solidFill>
+                  <a:schemeClr val="tx1"/>
+                </a:solidFill>
+              </a:rPr>
+              <a:t>PaaS</a:t>
+            </a:r>
+            <a:r>
+              <a:rPr lang="en-US" b="1" dirty="0" smtClean="0">
+                <a:solidFill>
+                  <a:schemeClr val="tx1"/>
+                </a:solidFill>
+              </a:rPr>
+              <a:t> Cloud</a:t>
+            </a:r>
+            <a:endParaRPr lang="en-US" b="1" dirty="0">
+              <a:solidFill>
+                <a:schemeClr val="tx1"/>
+              </a:solidFill>
+            </a:endParaRPr>
+          </a:p>
+        </p:txBody>
+      </p:sp>
+      <p:sp>
+        <p:nvSpPr>
+          <p:cNvPr id="18" name="Rectangle 17"/>
+          <p:cNvSpPr/>
+          <p:nvPr/>
+        </p:nvSpPr>
+        <p:spPr>
+          <a:xfrm>
+            <a:off x="2599880" y="3619265"/>
+            <a:ext cx="1455672" cy="828429"/>
+          </a:xfrm>
+          <a:prstGeom prst="rect">
+            <a:avLst/>
+          </a:prstGeom>
+          <a:solidFill>
+            <a:schemeClr val="accent2"/>
+          </a:solidFill>
+          <a:ln>
+            <a:noFill/>
+          </a:ln>
+        </p:spPr>
+        <p:style>
+          <a:lnRef idx="1">
+            <a:schemeClr val="accent1"/>
+          </a:lnRef>
+          <a:fillRef idx="3">
+            <a:schemeClr val="accent1"/>
+          </a:fillRef>
+          <a:effectRef idx="2">
+            <a:schemeClr val="accent1"/>
+          </a:effectRef>
+          <a:fontRef idx="minor">
+            <a:schemeClr val="lt1"/>
+          </a:fontRef>
+        </p:style>
+        <p:txBody>
+          <a:bodyPr rtlCol="0" anchor="ctr"/>
+          <a:lstStyle/>
+          <a:p>
+            <a:pPr algn="ctr"/>
+            <a:r>
+              <a:rPr lang="en-US" b="1" dirty="0" smtClean="0"/>
+              <a:t>Cloud SDK Monitor</a:t>
+            </a:r>
+            <a:endParaRPr lang="en-US" b="1" dirty="0"/>
+          </a:p>
+        </p:txBody>
+      </p:sp>
+      <p:sp>
+        <p:nvSpPr>
+          <p:cNvPr id="19" name="Rectangle 18"/>
+          <p:cNvSpPr/>
+          <p:nvPr/>
+        </p:nvSpPr>
+        <p:spPr>
+          <a:xfrm>
+            <a:off x="5909482" y="5540979"/>
+            <a:ext cx="2252177" cy="1236810"/>
+          </a:xfrm>
+          <a:prstGeom prst="rect">
+            <a:avLst/>
+          </a:prstGeom>
+          <a:solidFill>
+            <a:srgbClr val="C0504D"/>
+          </a:solidFill>
+          <a:ln>
+            <a:noFill/>
+          </a:ln>
+        </p:spPr>
+        <p:style>
+          <a:lnRef idx="1">
+            <a:schemeClr val="accent1"/>
+          </a:lnRef>
+          <a:fillRef idx="3">
+            <a:schemeClr val="accent1"/>
+          </a:fillRef>
+          <a:effectRef idx="2">
+            <a:schemeClr val="accent1"/>
+          </a:effectRef>
+          <a:fontRef idx="minor">
+            <a:schemeClr val="lt1"/>
+          </a:fontRef>
+        </p:style>
+        <p:txBody>
+          <a:bodyPr rtlCol="0" anchor="ctr"/>
+          <a:lstStyle/>
+          <a:p>
+            <a:pPr algn="ctr"/>
+            <a:r>
+              <a:rPr lang="en-US" b="1" dirty="0" smtClean="0"/>
+              <a:t>SLA Predictor</a:t>
+            </a:r>
+          </a:p>
+          <a:p>
+            <a:pPr algn="ctr"/>
+            <a:r>
+              <a:rPr lang="en-US" sz="1500" dirty="0" smtClean="0"/>
+              <a:t>(Time series aggregation &amp; QBETS)</a:t>
+            </a:r>
+            <a:endParaRPr lang="en-US" sz="1500" dirty="0"/>
+          </a:p>
+        </p:txBody>
+      </p:sp>
+      <p:sp>
+        <p:nvSpPr>
+          <p:cNvPr id="20" name="Rectangle 19"/>
+          <p:cNvSpPr/>
+          <p:nvPr/>
+        </p:nvSpPr>
+        <p:spPr>
+          <a:xfrm>
+            <a:off x="5909482" y="3467580"/>
+            <a:ext cx="2252177" cy="1236810"/>
+          </a:xfrm>
+          <a:prstGeom prst="rect">
+            <a:avLst/>
+          </a:prstGeom>
+          <a:solidFill>
+            <a:srgbClr val="C0504D"/>
+          </a:solidFill>
+          <a:ln>
+            <a:noFill/>
+          </a:ln>
+        </p:spPr>
+        <p:style>
+          <a:lnRef idx="1">
+            <a:schemeClr val="accent1"/>
+          </a:lnRef>
+          <a:fillRef idx="3">
+            <a:schemeClr val="accent1"/>
+          </a:fillRef>
+          <a:effectRef idx="2">
+            <a:schemeClr val="accent1"/>
+          </a:effectRef>
+          <a:fontRef idx="minor">
+            <a:schemeClr val="lt1"/>
+          </a:fontRef>
+        </p:style>
+        <p:txBody>
+          <a:bodyPr rtlCol="0" anchor="ctr"/>
+          <a:lstStyle/>
+          <a:p>
+            <a:pPr algn="ctr"/>
+            <a:r>
+              <a:rPr lang="en-US" b="1" dirty="0" smtClean="0"/>
+              <a:t>Static Analyzer</a:t>
+            </a:r>
+            <a:endParaRPr lang="en-US" b="1" dirty="0"/>
+          </a:p>
+        </p:txBody>
+      </p:sp>
+      <p:pic>
+        <p:nvPicPr>
+          <p:cNvPr id="21" name="Picture 20" descr="female-user-128x128.png"/>
+          <p:cNvPicPr>
+            <a:picLocks noChangeAspect="1"/>
+          </p:cNvPicPr>
+          <p:nvPr/>
+        </p:nvPicPr>
+        <p:blipFill>
+          <a:blip r:embed="rId2">
+            <a:extLst>
+              <a:ext uri="{28A0092B-C50C-407E-A947-70E740481C1C}">
+                <a14:useLocalDpi xmlns:a14="http://schemas.microsoft.com/office/drawing/2010/main" val="0"/>
+              </a:ext>
+            </a:extLst>
+          </a:blip>
+          <a:stretch>
+            <a:fillRect/>
+          </a:stretch>
+        </p:blipFill>
+        <p:spPr>
+          <a:xfrm>
+            <a:off x="6426818" y="1323472"/>
+            <a:ext cx="1221359" cy="1307516"/>
+          </a:xfrm>
+          <a:prstGeom prst="rect">
+            <a:avLst/>
+          </a:prstGeom>
+        </p:spPr>
+      </p:pic>
+      <p:sp>
+        <p:nvSpPr>
+          <p:cNvPr id="22" name="Down Arrow 21"/>
+          <p:cNvSpPr/>
+          <p:nvPr/>
+        </p:nvSpPr>
+        <p:spPr>
+          <a:xfrm>
+            <a:off x="6905109" y="2702743"/>
+            <a:ext cx="260923" cy="693080"/>
+          </a:xfrm>
+          <a:prstGeom prst="downArrow">
+            <a:avLst/>
+          </a:prstGeom>
+          <a:solidFill>
+            <a:schemeClr val="accent2">
+              <a:lumMod val="60000"/>
+              <a:lumOff val="40000"/>
+            </a:schemeClr>
+          </a:solidFill>
+          <a:ln>
+            <a:noFill/>
+          </a:ln>
+        </p:spPr>
+        <p:style>
+          <a:lnRef idx="1">
+            <a:schemeClr val="accent1"/>
+          </a:lnRef>
+          <a:fillRef idx="3">
+            <a:schemeClr val="accent1"/>
+          </a:fillRef>
+          <a:effectRef idx="2">
+            <a:schemeClr val="accent1"/>
+          </a:effectRef>
+          <a:fontRef idx="minor">
+            <a:schemeClr val="lt1"/>
+          </a:fontRef>
+        </p:style>
+        <p:txBody>
+          <a:bodyPr rtlCol="0" anchor="ctr"/>
+          <a:lstStyle/>
+          <a:p>
+            <a:pPr algn="ctr"/>
+            <a:endParaRPr lang="en-US"/>
+          </a:p>
+        </p:txBody>
+      </p:sp>
+      <p:sp>
+        <p:nvSpPr>
+          <p:cNvPr id="23" name="Down Arrow 22"/>
+          <p:cNvSpPr/>
+          <p:nvPr/>
+        </p:nvSpPr>
+        <p:spPr>
+          <a:xfrm>
+            <a:off x="6905109" y="4776144"/>
+            <a:ext cx="260923" cy="693080"/>
+          </a:xfrm>
+          <a:prstGeom prst="downArrow">
+            <a:avLst/>
+          </a:prstGeom>
+          <a:solidFill>
+            <a:srgbClr val="D99694"/>
+          </a:solidFill>
+          <a:ln>
+            <a:noFill/>
+          </a:ln>
+        </p:spPr>
+        <p:style>
+          <a:lnRef idx="1">
+            <a:schemeClr val="accent1"/>
+          </a:lnRef>
+          <a:fillRef idx="3">
+            <a:schemeClr val="accent1"/>
+          </a:fillRef>
+          <a:effectRef idx="2">
+            <a:schemeClr val="accent1"/>
+          </a:effectRef>
+          <a:fontRef idx="minor">
+            <a:schemeClr val="lt1"/>
+          </a:fontRef>
+        </p:style>
+        <p:txBody>
+          <a:bodyPr rtlCol="0" anchor="ctr"/>
+          <a:lstStyle/>
+          <a:p>
+            <a:pPr algn="ctr"/>
+            <a:endParaRPr lang="en-US"/>
+          </a:p>
+        </p:txBody>
+      </p:sp>
+      <p:sp>
+        <p:nvSpPr>
+          <p:cNvPr id="24" name="TextBox 23"/>
+          <p:cNvSpPr txBox="1"/>
+          <p:nvPr/>
+        </p:nvSpPr>
+        <p:spPr>
+          <a:xfrm>
+            <a:off x="7001235" y="2758336"/>
+            <a:ext cx="1497774" cy="608644"/>
+          </a:xfrm>
+          <a:prstGeom prst="rect">
+            <a:avLst/>
+          </a:prstGeom>
+          <a:noFill/>
+        </p:spPr>
+        <p:txBody>
+          <a:bodyPr wrap="square" rtlCol="0">
+            <a:spAutoFit/>
+          </a:bodyPr>
+          <a:lstStyle/>
+          <a:p>
+            <a:pPr algn="ctr"/>
+            <a:r>
+              <a:rPr lang="en-US" sz="1600" dirty="0" smtClean="0"/>
+              <a:t>Web Service code</a:t>
+            </a:r>
+            <a:endParaRPr lang="en-US" sz="1600" dirty="0"/>
+          </a:p>
+        </p:txBody>
+      </p:sp>
+      <p:sp>
+        <p:nvSpPr>
+          <p:cNvPr id="25" name="TextBox 24"/>
+          <p:cNvSpPr txBox="1"/>
+          <p:nvPr/>
+        </p:nvSpPr>
+        <p:spPr>
+          <a:xfrm>
+            <a:off x="7134701" y="4875914"/>
+            <a:ext cx="2009295" cy="510395"/>
+          </a:xfrm>
+          <a:prstGeom prst="rect">
+            <a:avLst/>
+          </a:prstGeom>
+          <a:noFill/>
+        </p:spPr>
+        <p:txBody>
+          <a:bodyPr wrap="none" rtlCol="0">
+            <a:spAutoFit/>
+          </a:bodyPr>
+          <a:lstStyle/>
+          <a:p>
+            <a:pPr algn="ctr"/>
+            <a:r>
+              <a:rPr lang="en-US" sz="1600" dirty="0" smtClean="0"/>
+              <a:t>Cloud SDK invocation</a:t>
+            </a:r>
+          </a:p>
+          <a:p>
+            <a:pPr algn="ctr"/>
+            <a:r>
+              <a:rPr lang="en-US" sz="1600" dirty="0" smtClean="0"/>
+              <a:t>sequences</a:t>
+            </a:r>
+            <a:endParaRPr lang="en-US" sz="1600" dirty="0"/>
+          </a:p>
+        </p:txBody>
+      </p:sp>
+      <p:sp>
+        <p:nvSpPr>
+          <p:cNvPr id="26" name="TextBox 25"/>
+          <p:cNvSpPr txBox="1"/>
+          <p:nvPr/>
+        </p:nvSpPr>
+        <p:spPr>
+          <a:xfrm>
+            <a:off x="3432711" y="5674601"/>
+            <a:ext cx="2179522" cy="510395"/>
+          </a:xfrm>
+          <a:prstGeom prst="rect">
+            <a:avLst/>
+          </a:prstGeom>
+          <a:noFill/>
+        </p:spPr>
+        <p:txBody>
+          <a:bodyPr wrap="none" rtlCol="0">
+            <a:spAutoFit/>
+          </a:bodyPr>
+          <a:lstStyle/>
+          <a:p>
+            <a:pPr algn="ctr"/>
+            <a:r>
+              <a:rPr lang="en-US" sz="1600" dirty="0" smtClean="0"/>
+              <a:t>Fetch cloud monitoring </a:t>
+            </a:r>
+          </a:p>
+          <a:p>
+            <a:pPr algn="ctr"/>
+            <a:r>
+              <a:rPr lang="en-US" sz="1600" dirty="0" smtClean="0"/>
+              <a:t>data</a:t>
+            </a:r>
+            <a:endParaRPr lang="en-US" sz="1600" dirty="0"/>
+          </a:p>
+        </p:txBody>
+      </p:sp>
+      <p:sp>
+        <p:nvSpPr>
+          <p:cNvPr id="27" name="Left-Up Arrow 26"/>
+          <p:cNvSpPr/>
+          <p:nvPr/>
+        </p:nvSpPr>
+        <p:spPr>
+          <a:xfrm rot="5400000">
+            <a:off x="3572622" y="4176741"/>
+            <a:ext cx="1948559" cy="2623490"/>
+          </a:xfrm>
+          <a:prstGeom prst="leftUpArrow">
+            <a:avLst>
+              <a:gd name="adj1" fmla="val 7609"/>
+              <a:gd name="adj2" fmla="val 8552"/>
+              <a:gd name="adj3" fmla="val 15058"/>
+            </a:avLst>
+          </a:prstGeom>
+          <a:solidFill>
+            <a:srgbClr val="D99694"/>
+          </a:solidFill>
+          <a:ln>
+            <a:noFill/>
+          </a:ln>
+        </p:spPr>
+        <p:style>
+          <a:lnRef idx="1">
+            <a:schemeClr val="accent1"/>
+          </a:lnRef>
+          <a:fillRef idx="3">
+            <a:schemeClr val="accent1"/>
+          </a:fillRef>
+          <a:effectRef idx="2">
+            <a:schemeClr val="accent1"/>
+          </a:effectRef>
+          <a:fontRef idx="minor">
+            <a:schemeClr val="lt1"/>
+          </a:fontRef>
+        </p:style>
+        <p:txBody>
+          <a:bodyPr rtlCol="0" anchor="ctr"/>
+          <a:lstStyle/>
+          <a:p>
+            <a:pPr algn="ctr"/>
+            <a:endParaRPr lang="en-US"/>
+          </a:p>
+        </p:txBody>
+      </p:sp>
+      <p:sp>
+        <p:nvSpPr>
+          <p:cNvPr id="28" name="Rectangle 27"/>
+          <p:cNvSpPr/>
+          <p:nvPr/>
+        </p:nvSpPr>
+        <p:spPr>
+          <a:xfrm>
+            <a:off x="213895" y="2569810"/>
+            <a:ext cx="1697790" cy="474399"/>
+          </a:xfrm>
+          <a:prstGeom prst="rect">
+            <a:avLst/>
+          </a:prstGeom>
+          <a:solidFill>
+            <a:schemeClr val="bg1">
+              <a:lumMod val="65000"/>
+            </a:schemeClr>
+          </a:solidFill>
+          <a:ln>
             <a:solidFill>
               <a:schemeClr val="bg1">
                 <a:lumMod val="75000"/>
               </a:schemeClr>
             </a:solidFill>
-            <a:ln>
-              <a:noFill/>
-            </a:ln>
-          </p:spPr>
-          <p:style>
-            <a:lnRef idx="1">
-              <a:schemeClr val="accent1"/>
-            </a:lnRef>
-            <a:fillRef idx="3">
-              <a:schemeClr val="accent1"/>
-            </a:fillRef>
-            <a:effectRef idx="2">
-              <a:schemeClr val="accent1"/>
-            </a:effectRef>
-            <a:fontRef idx="minor">
-              <a:schemeClr val="lt1"/>
-            </a:fontRef>
-          </p:style>
-          <p:txBody>
-            <a:bodyPr rtlCol="0" anchor="ctr"/>
-            <a:lstStyle/>
-            <a:p>
-              <a:pPr algn="ctr"/>
-              <a:endParaRPr lang="en-US" dirty="0" smtClean="0"/>
-            </a:p>
-            <a:p>
-              <a:pPr algn="ctr"/>
-              <a:endParaRPr lang="en-US" dirty="0"/>
-            </a:p>
-            <a:p>
-              <a:pPr algn="ctr"/>
-              <a:endParaRPr lang="en-US" dirty="0" smtClean="0"/>
-            </a:p>
-            <a:p>
-              <a:pPr algn="ctr"/>
-              <a:endParaRPr lang="en-US" dirty="0"/>
-            </a:p>
-            <a:p>
-              <a:pPr algn="ctr"/>
-              <a:endParaRPr lang="en-US" dirty="0" smtClean="0"/>
-            </a:p>
-            <a:p>
-              <a:pPr algn="ctr"/>
-              <a:r>
-                <a:rPr lang="en-US" b="1" dirty="0" err="1" smtClean="0">
-                  <a:solidFill>
-                    <a:schemeClr val="tx1"/>
-                  </a:solidFill>
-                </a:rPr>
-                <a:t>PaaS</a:t>
-              </a:r>
-              <a:r>
-                <a:rPr lang="en-US" b="1" dirty="0" smtClean="0">
-                  <a:solidFill>
-                    <a:schemeClr val="tx1"/>
-                  </a:solidFill>
-                </a:rPr>
-                <a:t> Cloud</a:t>
-              </a:r>
-              <a:endParaRPr lang="en-US" b="1" dirty="0">
-                <a:solidFill>
-                  <a:schemeClr val="tx1"/>
-                </a:solidFill>
-              </a:endParaRPr>
-            </a:p>
-          </p:txBody>
-        </p:sp>
-        <p:sp>
-          <p:nvSpPr>
-            <p:cNvPr id="18" name="Rectangle 17"/>
-            <p:cNvSpPr/>
-            <p:nvPr/>
-          </p:nvSpPr>
-          <p:spPr>
-            <a:xfrm>
-              <a:off x="2633577" y="2757901"/>
-              <a:ext cx="1417050" cy="949157"/>
-            </a:xfrm>
-            <a:prstGeom prst="rect">
-              <a:avLst/>
-            </a:prstGeom>
-            <a:solidFill>
-              <a:schemeClr val="accent2"/>
-            </a:solidFill>
-            <a:ln>
-              <a:noFill/>
-            </a:ln>
-          </p:spPr>
-          <p:style>
-            <a:lnRef idx="1">
-              <a:schemeClr val="accent1"/>
-            </a:lnRef>
-            <a:fillRef idx="3">
-              <a:schemeClr val="accent1"/>
-            </a:fillRef>
-            <a:effectRef idx="2">
-              <a:schemeClr val="accent1"/>
-            </a:effectRef>
-            <a:fontRef idx="minor">
-              <a:schemeClr val="lt1"/>
-            </a:fontRef>
-          </p:style>
-          <p:txBody>
-            <a:bodyPr rtlCol="0" anchor="ctr"/>
-            <a:lstStyle/>
-            <a:p>
-              <a:pPr algn="ctr"/>
-              <a:r>
-                <a:rPr lang="en-US" b="1" dirty="0" smtClean="0"/>
-                <a:t>Cloud SDK Monitor</a:t>
-              </a:r>
-              <a:endParaRPr lang="en-US" b="1" dirty="0"/>
-            </a:p>
-          </p:txBody>
-        </p:sp>
-        <p:sp>
-          <p:nvSpPr>
-            <p:cNvPr id="19" name="Rectangle 18"/>
-            <p:cNvSpPr/>
-            <p:nvPr/>
-          </p:nvSpPr>
-          <p:spPr>
-            <a:xfrm>
-              <a:off x="5855368" y="4959670"/>
-              <a:ext cx="2192422" cy="1417052"/>
-            </a:xfrm>
-            <a:prstGeom prst="rect">
-              <a:avLst/>
-            </a:prstGeom>
-            <a:solidFill>
-              <a:srgbClr val="C0504D"/>
-            </a:solidFill>
-            <a:ln>
-              <a:noFill/>
-            </a:ln>
-          </p:spPr>
-          <p:style>
-            <a:lnRef idx="1">
-              <a:schemeClr val="accent1"/>
-            </a:lnRef>
-            <a:fillRef idx="3">
-              <a:schemeClr val="accent1"/>
-            </a:fillRef>
-            <a:effectRef idx="2">
-              <a:schemeClr val="accent1"/>
-            </a:effectRef>
-            <a:fontRef idx="minor">
-              <a:schemeClr val="lt1"/>
-            </a:fontRef>
-          </p:style>
-          <p:txBody>
-            <a:bodyPr rtlCol="0" anchor="ctr"/>
-            <a:lstStyle/>
-            <a:p>
-              <a:pPr algn="ctr"/>
-              <a:r>
-                <a:rPr lang="en-US" b="1" dirty="0" smtClean="0"/>
-                <a:t>SLA Predictor</a:t>
-              </a:r>
-            </a:p>
-            <a:p>
-              <a:pPr algn="ctr"/>
-              <a:r>
-                <a:rPr lang="en-US" sz="1500" dirty="0" smtClean="0"/>
-                <a:t>(Time series aggregation &amp; QBETS)</a:t>
-              </a:r>
-              <a:endParaRPr lang="en-US" sz="1500" dirty="0"/>
-            </a:p>
-          </p:txBody>
-        </p:sp>
-        <p:sp>
-          <p:nvSpPr>
-            <p:cNvPr id="20" name="Rectangle 19"/>
-            <p:cNvSpPr/>
-            <p:nvPr/>
-          </p:nvSpPr>
-          <p:spPr>
-            <a:xfrm>
-              <a:off x="5855368" y="2584110"/>
-              <a:ext cx="2192422" cy="1417052"/>
-            </a:xfrm>
-            <a:prstGeom prst="rect">
-              <a:avLst/>
-            </a:prstGeom>
-            <a:solidFill>
-              <a:srgbClr val="C0504D"/>
-            </a:solidFill>
-            <a:ln>
-              <a:noFill/>
-            </a:ln>
-          </p:spPr>
-          <p:style>
-            <a:lnRef idx="1">
-              <a:schemeClr val="accent1"/>
-            </a:lnRef>
-            <a:fillRef idx="3">
-              <a:schemeClr val="accent1"/>
-            </a:fillRef>
-            <a:effectRef idx="2">
-              <a:schemeClr val="accent1"/>
-            </a:effectRef>
-            <a:fontRef idx="minor">
-              <a:schemeClr val="lt1"/>
-            </a:fontRef>
-          </p:style>
-          <p:txBody>
-            <a:bodyPr rtlCol="0" anchor="ctr"/>
-            <a:lstStyle/>
-            <a:p>
-              <a:pPr algn="ctr"/>
-              <a:r>
-                <a:rPr lang="en-US" b="1" dirty="0" smtClean="0"/>
-                <a:t>Static Analyzer</a:t>
-              </a:r>
-              <a:endParaRPr lang="en-US" b="1" dirty="0"/>
-            </a:p>
-          </p:txBody>
-        </p:sp>
-        <p:pic>
-          <p:nvPicPr>
-            <p:cNvPr id="21" name="Picture 20" descr="female-user-128x128.png"/>
-            <p:cNvPicPr>
-              <a:picLocks noChangeAspect="1"/>
-            </p:cNvPicPr>
-            <p:nvPr/>
-          </p:nvPicPr>
-          <p:blipFill>
-            <a:blip r:embed="rId2">
-              <a:extLst>
-                <a:ext uri="{28A0092B-C50C-407E-A947-70E740481C1C}">
-                  <a14:useLocalDpi xmlns:a14="http://schemas.microsoft.com/office/drawing/2010/main" val="0"/>
-                </a:ext>
-              </a:extLst>
-            </a:blip>
-            <a:stretch>
-              <a:fillRect/>
-            </a:stretch>
-          </p:blipFill>
-          <p:spPr>
-            <a:xfrm>
-              <a:off x="6358978" y="127538"/>
-              <a:ext cx="1188954" cy="1498062"/>
-            </a:xfrm>
-            <a:prstGeom prst="rect">
-              <a:avLst/>
-            </a:prstGeom>
-          </p:spPr>
-        </p:pic>
-        <p:sp>
-          <p:nvSpPr>
-            <p:cNvPr id="22" name="Down Arrow 21"/>
-            <p:cNvSpPr/>
-            <p:nvPr/>
-          </p:nvSpPr>
-          <p:spPr>
-            <a:xfrm>
-              <a:off x="6824579" y="1707813"/>
-              <a:ext cx="254000" cy="794084"/>
-            </a:xfrm>
-            <a:prstGeom prst="downArrow">
-              <a:avLst/>
-            </a:prstGeom>
-            <a:solidFill>
-              <a:schemeClr val="accent2">
-                <a:lumMod val="60000"/>
-                <a:lumOff val="40000"/>
-              </a:schemeClr>
-            </a:solidFill>
-            <a:ln>
-              <a:noFill/>
-            </a:ln>
-          </p:spPr>
-          <p:style>
-            <a:lnRef idx="1">
-              <a:schemeClr val="accent1"/>
-            </a:lnRef>
-            <a:fillRef idx="3">
-              <a:schemeClr val="accent1"/>
-            </a:fillRef>
-            <a:effectRef idx="2">
-              <a:schemeClr val="accent1"/>
-            </a:effectRef>
-            <a:fontRef idx="minor">
-              <a:schemeClr val="lt1"/>
-            </a:fontRef>
-          </p:style>
-          <p:txBody>
-            <a:bodyPr rtlCol="0" anchor="ctr"/>
-            <a:lstStyle/>
-            <a:p>
-              <a:pPr algn="ctr"/>
-              <a:endParaRPr lang="en-US"/>
-            </a:p>
-          </p:txBody>
-        </p:sp>
-        <p:sp>
-          <p:nvSpPr>
-            <p:cNvPr id="23" name="Down Arrow 22"/>
-            <p:cNvSpPr/>
-            <p:nvPr/>
-          </p:nvSpPr>
-          <p:spPr>
-            <a:xfrm>
-              <a:off x="6824579" y="4083374"/>
-              <a:ext cx="254000" cy="794084"/>
-            </a:xfrm>
-            <a:prstGeom prst="downArrow">
-              <a:avLst/>
-            </a:prstGeom>
-            <a:solidFill>
-              <a:srgbClr val="D99694"/>
-            </a:solidFill>
-            <a:ln>
-              <a:noFill/>
-            </a:ln>
-          </p:spPr>
-          <p:style>
-            <a:lnRef idx="1">
-              <a:schemeClr val="accent1"/>
-            </a:lnRef>
-            <a:fillRef idx="3">
-              <a:schemeClr val="accent1"/>
-            </a:fillRef>
-            <a:effectRef idx="2">
-              <a:schemeClr val="accent1"/>
-            </a:effectRef>
-            <a:fontRef idx="minor">
-              <a:schemeClr val="lt1"/>
-            </a:fontRef>
-          </p:style>
-          <p:txBody>
-            <a:bodyPr rtlCol="0" anchor="ctr"/>
-            <a:lstStyle/>
-            <a:p>
-              <a:pPr algn="ctr"/>
-              <a:endParaRPr lang="en-US"/>
-            </a:p>
-          </p:txBody>
-        </p:sp>
-        <p:sp>
-          <p:nvSpPr>
-            <p:cNvPr id="24" name="TextBox 23"/>
-            <p:cNvSpPr txBox="1"/>
-            <p:nvPr/>
-          </p:nvSpPr>
-          <p:spPr>
-            <a:xfrm>
-              <a:off x="6918155" y="1771507"/>
-              <a:ext cx="1458035" cy="697343"/>
-            </a:xfrm>
-            <a:prstGeom prst="rect">
-              <a:avLst/>
-            </a:prstGeom>
+          </a:ln>
+        </p:spPr>
+        <p:style>
+          <a:lnRef idx="1">
+            <a:schemeClr val="accent1"/>
+          </a:lnRef>
+          <a:fillRef idx="3">
+            <a:schemeClr val="accent1"/>
+          </a:fillRef>
+          <a:effectRef idx="2">
+            <a:schemeClr val="accent1"/>
+          </a:effectRef>
+          <a:fontRef idx="minor">
+            <a:schemeClr val="lt1"/>
+          </a:fontRef>
+        </p:style>
+        <p:txBody>
+          <a:bodyPr rtlCol="0" anchor="ctr"/>
+          <a:lstStyle/>
+          <a:p>
+            <a:pPr algn="ctr"/>
+            <a:r>
+              <a:rPr lang="en-US" sz="1400" dirty="0" smtClean="0"/>
+              <a:t>Cloud Platform</a:t>
+            </a:r>
+            <a:endParaRPr lang="en-US" sz="1400" dirty="0"/>
+          </a:p>
+        </p:txBody>
+      </p:sp>
+      <p:sp>
+        <p:nvSpPr>
+          <p:cNvPr id="29" name="Rectangle 28"/>
+          <p:cNvSpPr/>
+          <p:nvPr/>
+        </p:nvSpPr>
+        <p:spPr>
+          <a:xfrm>
+            <a:off x="332709" y="2082043"/>
+            <a:ext cx="1460162" cy="474399"/>
+          </a:xfrm>
+          <a:prstGeom prst="rect">
+            <a:avLst/>
+          </a:prstGeom>
+          <a:solidFill>
+            <a:schemeClr val="accent6"/>
+          </a:solidFill>
+          <a:ln>
             <a:noFill/>
-          </p:spPr>
-          <p:txBody>
-            <a:bodyPr wrap="square" rtlCol="0">
-              <a:spAutoFit/>
-            </a:bodyPr>
-            <a:lstStyle/>
-            <a:p>
-              <a:pPr algn="ctr"/>
-              <a:r>
-                <a:rPr lang="en-US" sz="1600" dirty="0" smtClean="0"/>
-                <a:t>Web </a:t>
-              </a:r>
-              <a:r>
-                <a:rPr lang="en-US" sz="1600" dirty="0" smtClean="0"/>
-                <a:t>Service</a:t>
-              </a:r>
-              <a:r>
-                <a:rPr lang="en-US" sz="1600" dirty="0" smtClean="0"/>
-                <a:t> </a:t>
-              </a:r>
-              <a:r>
-                <a:rPr lang="en-US" sz="1600" dirty="0" smtClean="0"/>
-                <a:t>code</a:t>
-              </a:r>
-              <a:endParaRPr lang="en-US" sz="1600" dirty="0"/>
-            </a:p>
-          </p:txBody>
-        </p:sp>
-        <p:sp>
-          <p:nvSpPr>
-            <p:cNvPr id="25" name="TextBox 24"/>
-            <p:cNvSpPr txBox="1"/>
-            <p:nvPr/>
-          </p:nvSpPr>
-          <p:spPr>
-            <a:xfrm>
-              <a:off x="7048080" y="4197684"/>
-              <a:ext cx="1955984" cy="584776"/>
-            </a:xfrm>
-            <a:prstGeom prst="rect">
-              <a:avLst/>
-            </a:prstGeom>
+          </a:ln>
+        </p:spPr>
+        <p:style>
+          <a:lnRef idx="1">
+            <a:schemeClr val="accent1"/>
+          </a:lnRef>
+          <a:fillRef idx="3">
+            <a:schemeClr val="accent1"/>
+          </a:fillRef>
+          <a:effectRef idx="2">
+            <a:schemeClr val="accent1"/>
+          </a:effectRef>
+          <a:fontRef idx="minor">
+            <a:schemeClr val="lt1"/>
+          </a:fontRef>
+        </p:style>
+        <p:txBody>
+          <a:bodyPr rtlCol="0" anchor="ctr"/>
+          <a:lstStyle/>
+          <a:p>
+            <a:pPr algn="ctr"/>
+            <a:r>
+              <a:rPr lang="en-US" sz="1400" dirty="0" smtClean="0"/>
+              <a:t>Cloud SDK</a:t>
+            </a:r>
+            <a:endParaRPr lang="en-US" sz="1400" dirty="0"/>
+          </a:p>
+        </p:txBody>
+      </p:sp>
+      <p:sp>
+        <p:nvSpPr>
+          <p:cNvPr id="30" name="Rectangle 29"/>
+          <p:cNvSpPr/>
+          <p:nvPr/>
+        </p:nvSpPr>
+        <p:spPr>
+          <a:xfrm>
+            <a:off x="429337" y="1567540"/>
+            <a:ext cx="1266906" cy="474399"/>
+          </a:xfrm>
+          <a:prstGeom prst="rect">
+            <a:avLst/>
+          </a:prstGeom>
+          <a:solidFill>
+            <a:schemeClr val="tx2">
+              <a:lumMod val="60000"/>
+              <a:lumOff val="40000"/>
+            </a:schemeClr>
+          </a:solidFill>
+          <a:ln>
             <a:noFill/>
-          </p:spPr>
-          <p:txBody>
-            <a:bodyPr wrap="none" rtlCol="0">
-              <a:spAutoFit/>
-            </a:bodyPr>
-            <a:lstStyle/>
-            <a:p>
-              <a:pPr algn="ctr"/>
-              <a:r>
-                <a:rPr lang="en-US" sz="1600" dirty="0" smtClean="0"/>
-                <a:t>Cloud SDK invocation</a:t>
-              </a:r>
-            </a:p>
-            <a:p>
-              <a:pPr algn="ctr"/>
-              <a:r>
-                <a:rPr lang="en-US" sz="1600" dirty="0" smtClean="0"/>
-                <a:t>sequences</a:t>
-              </a:r>
-              <a:endParaRPr lang="en-US" sz="1600" dirty="0"/>
-            </a:p>
-          </p:txBody>
-        </p:sp>
-        <p:sp>
-          <p:nvSpPr>
-            <p:cNvPr id="26" name="TextBox 25"/>
-            <p:cNvSpPr txBox="1"/>
-            <p:nvPr/>
-          </p:nvSpPr>
-          <p:spPr>
-            <a:xfrm>
-              <a:off x="3444311" y="5112764"/>
-              <a:ext cx="2121695" cy="584776"/>
-            </a:xfrm>
-            <a:prstGeom prst="rect">
-              <a:avLst/>
-            </a:prstGeom>
-            <a:noFill/>
-          </p:spPr>
-          <p:txBody>
-            <a:bodyPr wrap="none" rtlCol="0">
-              <a:spAutoFit/>
-            </a:bodyPr>
-            <a:lstStyle/>
-            <a:p>
-              <a:pPr algn="ctr"/>
-              <a:r>
-                <a:rPr lang="en-US" sz="1600" dirty="0" smtClean="0"/>
-                <a:t>Fetch cloud monitoring </a:t>
-              </a:r>
-            </a:p>
-            <a:p>
-              <a:pPr algn="ctr"/>
-              <a:r>
-                <a:rPr lang="en-US" sz="1600" dirty="0" smtClean="0"/>
-                <a:t>data</a:t>
-              </a:r>
-              <a:endParaRPr lang="en-US" sz="1600" dirty="0"/>
-            </a:p>
-          </p:txBody>
-        </p:sp>
-        <p:sp>
-          <p:nvSpPr>
-            <p:cNvPr id="27" name="Left-Up Arrow 26"/>
-            <p:cNvSpPr/>
-            <p:nvPr/>
-          </p:nvSpPr>
-          <p:spPr>
-            <a:xfrm rot="5400000">
-              <a:off x="3357469" y="3567374"/>
-              <a:ext cx="2232526" cy="2664305"/>
-            </a:xfrm>
-            <a:prstGeom prst="leftUpArrow">
-              <a:avLst>
-                <a:gd name="adj1" fmla="val 7609"/>
-                <a:gd name="adj2" fmla="val 8552"/>
-                <a:gd name="adj3" fmla="val 15058"/>
-              </a:avLst>
-            </a:prstGeom>
-            <a:solidFill>
-              <a:srgbClr val="D99694"/>
-            </a:solidFill>
-            <a:ln>
-              <a:noFill/>
-            </a:ln>
-          </p:spPr>
-          <p:style>
-            <a:lnRef idx="1">
-              <a:schemeClr val="accent1"/>
-            </a:lnRef>
-            <a:fillRef idx="3">
-              <a:schemeClr val="accent1"/>
-            </a:fillRef>
-            <a:effectRef idx="2">
-              <a:schemeClr val="accent1"/>
-            </a:effectRef>
-            <a:fontRef idx="minor">
-              <a:schemeClr val="lt1"/>
-            </a:fontRef>
-          </p:style>
-          <p:txBody>
-            <a:bodyPr rtlCol="0" anchor="ctr"/>
-            <a:lstStyle/>
-            <a:p>
-              <a:pPr algn="ctr"/>
-              <a:endParaRPr lang="en-US"/>
-            </a:p>
-          </p:txBody>
-        </p:sp>
-      </p:grpSp>
-      <p:grpSp>
-        <p:nvGrpSpPr>
-          <p:cNvPr id="33" name="Group 32"/>
-          <p:cNvGrpSpPr/>
+          </a:ln>
+        </p:spPr>
+        <p:style>
+          <a:lnRef idx="1">
+            <a:schemeClr val="accent1"/>
+          </a:lnRef>
+          <a:fillRef idx="3">
+            <a:schemeClr val="accent1"/>
+          </a:fillRef>
+          <a:effectRef idx="2">
+            <a:schemeClr val="accent1"/>
+          </a:effectRef>
+          <a:fontRef idx="minor">
+            <a:schemeClr val="lt1"/>
+          </a:fontRef>
+        </p:style>
+        <p:txBody>
+          <a:bodyPr rtlCol="0" anchor="ctr"/>
+          <a:lstStyle/>
+          <a:p>
+            <a:pPr algn="ctr"/>
+            <a:r>
+              <a:rPr lang="en-US" sz="1400" dirty="0" smtClean="0"/>
+              <a:t>Web Service</a:t>
+            </a:r>
+            <a:endParaRPr lang="en-US" sz="1400" dirty="0"/>
+          </a:p>
+        </p:txBody>
+      </p:sp>
+      <p:sp>
+        <p:nvSpPr>
+          <p:cNvPr id="32" name="Rectangle 31"/>
+          <p:cNvSpPr/>
           <p:nvPr/>
-        </p:nvGrpSpPr>
-        <p:grpSpPr>
+        </p:nvSpPr>
+        <p:spPr>
           <a:xfrm>
             <a:off x="120316" y="1430424"/>
             <a:ext cx="1911684" cy="1737894"/>
-            <a:chOff x="120316" y="1510632"/>
-            <a:chExt cx="1911684" cy="1737894"/>
           </a:xfrm>
-        </p:grpSpPr>
-        <p:sp>
-          <p:nvSpPr>
-            <p:cNvPr id="28" name="Rectangle 27"/>
-            <p:cNvSpPr/>
-            <p:nvPr/>
-          </p:nvSpPr>
-          <p:spPr>
-            <a:xfrm>
-              <a:off x="213895" y="2650018"/>
-              <a:ext cx="1697790" cy="474399"/>
-            </a:xfrm>
-            <a:prstGeom prst="rect">
-              <a:avLst/>
-            </a:prstGeom>
+          <a:prstGeom prst="rect">
+            <a:avLst/>
+          </a:prstGeom>
+          <a:noFill/>
+          <a:ln>
             <a:solidFill>
-              <a:schemeClr val="bg1">
-                <a:lumMod val="65000"/>
-              </a:schemeClr>
+              <a:schemeClr val="tx1"/>
             </a:solidFill>
-            <a:ln>
-              <a:solidFill>
-                <a:schemeClr val="bg1">
-                  <a:lumMod val="75000"/>
-                </a:schemeClr>
-              </a:solidFill>
-            </a:ln>
-          </p:spPr>
-          <p:style>
-            <a:lnRef idx="1">
-              <a:schemeClr val="accent1"/>
-            </a:lnRef>
-            <a:fillRef idx="3">
-              <a:schemeClr val="accent1"/>
-            </a:fillRef>
-            <a:effectRef idx="2">
-              <a:schemeClr val="accent1"/>
-            </a:effectRef>
-            <a:fontRef idx="minor">
-              <a:schemeClr val="lt1"/>
-            </a:fontRef>
-          </p:style>
-          <p:txBody>
-            <a:bodyPr rtlCol="0" anchor="ctr"/>
-            <a:lstStyle/>
-            <a:p>
-              <a:pPr algn="ctr"/>
-              <a:r>
-                <a:rPr lang="en-US" sz="1400" dirty="0" smtClean="0"/>
-                <a:t>Cloud Platform</a:t>
-              </a:r>
-              <a:endParaRPr lang="en-US" sz="1400" dirty="0"/>
-            </a:p>
-          </p:txBody>
-        </p:sp>
-        <p:sp>
-          <p:nvSpPr>
-            <p:cNvPr id="29" name="Rectangle 28"/>
-            <p:cNvSpPr/>
-            <p:nvPr/>
-          </p:nvSpPr>
-          <p:spPr>
-            <a:xfrm>
-              <a:off x="332709" y="2162251"/>
-              <a:ext cx="1460162" cy="474399"/>
-            </a:xfrm>
-            <a:prstGeom prst="rect">
-              <a:avLst/>
-            </a:prstGeom>
-            <a:solidFill>
-              <a:schemeClr val="accent6"/>
-            </a:solidFill>
-            <a:ln>
-              <a:noFill/>
-            </a:ln>
-          </p:spPr>
-          <p:style>
-            <a:lnRef idx="1">
-              <a:schemeClr val="accent1"/>
-            </a:lnRef>
-            <a:fillRef idx="3">
-              <a:schemeClr val="accent1"/>
-            </a:fillRef>
-            <a:effectRef idx="2">
-              <a:schemeClr val="accent1"/>
-            </a:effectRef>
-            <a:fontRef idx="minor">
-              <a:schemeClr val="lt1"/>
-            </a:fontRef>
-          </p:style>
-          <p:txBody>
-            <a:bodyPr rtlCol="0" anchor="ctr"/>
-            <a:lstStyle/>
-            <a:p>
-              <a:pPr algn="ctr"/>
-              <a:r>
-                <a:rPr lang="en-US" sz="1400" dirty="0" smtClean="0"/>
-                <a:t>Cloud SDK</a:t>
-              </a:r>
-              <a:endParaRPr lang="en-US" sz="1400" dirty="0"/>
-            </a:p>
-          </p:txBody>
-        </p:sp>
-        <p:sp>
-          <p:nvSpPr>
-            <p:cNvPr id="30" name="Rectangle 29"/>
-            <p:cNvSpPr/>
-            <p:nvPr/>
-          </p:nvSpPr>
-          <p:spPr>
-            <a:xfrm>
-              <a:off x="429337" y="1647748"/>
-              <a:ext cx="1266906" cy="474399"/>
-            </a:xfrm>
-            <a:prstGeom prst="rect">
-              <a:avLst/>
-            </a:prstGeom>
-            <a:solidFill>
-              <a:schemeClr val="tx2">
-                <a:lumMod val="60000"/>
-                <a:lumOff val="40000"/>
-              </a:schemeClr>
-            </a:solidFill>
-            <a:ln>
-              <a:noFill/>
-            </a:ln>
-          </p:spPr>
-          <p:style>
-            <a:lnRef idx="1">
-              <a:schemeClr val="accent1"/>
-            </a:lnRef>
-            <a:fillRef idx="3">
-              <a:schemeClr val="accent1"/>
-            </a:fillRef>
-            <a:effectRef idx="2">
-              <a:schemeClr val="accent1"/>
-            </a:effectRef>
-            <a:fontRef idx="minor">
-              <a:schemeClr val="lt1"/>
-            </a:fontRef>
-          </p:style>
-          <p:txBody>
-            <a:bodyPr rtlCol="0" anchor="ctr"/>
-            <a:lstStyle/>
-            <a:p>
-              <a:pPr algn="ctr"/>
-              <a:r>
-                <a:rPr lang="en-US" sz="1400" dirty="0" smtClean="0"/>
-                <a:t>Web Service</a:t>
-              </a:r>
-              <a:endParaRPr lang="en-US" sz="1400" dirty="0"/>
-            </a:p>
-          </p:txBody>
-        </p:sp>
-        <p:sp>
-          <p:nvSpPr>
-            <p:cNvPr id="32" name="Rectangle 31"/>
-            <p:cNvSpPr/>
-            <p:nvPr/>
-          </p:nvSpPr>
-          <p:spPr>
-            <a:xfrm>
-              <a:off x="120316" y="1510632"/>
-              <a:ext cx="1911684" cy="1737894"/>
-            </a:xfrm>
-            <a:prstGeom prst="rect">
-              <a:avLst/>
-            </a:prstGeom>
-            <a:noFill/>
-            <a:ln>
-              <a:solidFill>
-                <a:schemeClr val="tx1">
-                  <a:lumMod val="75000"/>
-                  <a:lumOff val="25000"/>
-                </a:schemeClr>
-              </a:solidFill>
-            </a:ln>
-          </p:spPr>
-          <p:style>
-            <a:lnRef idx="1">
-              <a:schemeClr val="accent1"/>
-            </a:lnRef>
-            <a:fillRef idx="3">
-              <a:schemeClr val="accent1"/>
-            </a:fillRef>
-            <a:effectRef idx="2">
-              <a:schemeClr val="accent1"/>
-            </a:effectRef>
-            <a:fontRef idx="minor">
-              <a:schemeClr val="lt1"/>
-            </a:fontRef>
-          </p:style>
-          <p:txBody>
-            <a:bodyPr rtlCol="0" anchor="ctr"/>
-            <a:lstStyle/>
-            <a:p>
-              <a:pPr algn="ctr"/>
-              <a:endParaRPr lang="en-US"/>
-            </a:p>
-          </p:txBody>
-        </p:sp>
-      </p:grpSp>
+          </a:ln>
+        </p:spPr>
+        <p:style>
+          <a:lnRef idx="1">
+            <a:schemeClr val="accent1"/>
+          </a:lnRef>
+          <a:fillRef idx="3">
+            <a:schemeClr val="accent1"/>
+          </a:fillRef>
+          <a:effectRef idx="2">
+            <a:schemeClr val="accent1"/>
+          </a:effectRef>
+          <a:fontRef idx="minor">
+            <a:schemeClr val="lt1"/>
+          </a:fontRef>
+        </p:style>
+        <p:txBody>
+          <a:bodyPr rtlCol="0" anchor="ctr"/>
+          <a:lstStyle/>
+          <a:p>
+            <a:pPr algn="ctr"/>
+            <a:endParaRPr lang="en-US"/>
+          </a:p>
+        </p:txBody>
+      </p:sp>
     </p:spTree>
     <p:extLst>
       <p:ext uri="{BB962C8B-B14F-4D97-AF65-F5344CB8AC3E}">
